--- a/cript_graph/graph_ppt/CRIPT_Data_Structure_Template.pptx
+++ b/cript_graph/graph_ppt/CRIPT_Data_Structure_Template.pptx
@@ -3317,7 +3317,11 @@
           <a:p>
             <a:pPr algn="ctr"/>
             <a:r>
-              <a:rPr lang="en-US" sz="1600" dirty="0"/>
+              <a:rPr lang="en-US" sz="1600" dirty="0">
+                <a:solidFill>
+                  <a:schemeClr val="tx1"/>
+                </a:solidFill>
+              </a:rPr>
               <a:t>Experiment</a:t>
             </a:r>
           </a:p>
@@ -3555,7 +3559,7 @@
             <a:r>
               <a:rPr lang="en-US" dirty="0">
                 <a:solidFill>
-                  <a:schemeClr val="tx1"/>
+                  <a:schemeClr val="bg1"/>
                 </a:solidFill>
               </a:rPr>
               <a:t>Computational Process</a:t>
